--- a/config/Projeto Data Master.pptx
+++ b/config/Projeto Data Master.pptx
@@ -263,7 +263,7 @@
           <a:p>
             <a:fld id="{2286C78C-2309-4B31-A6C1-4EE0779ED80E}" type="datetimeFigureOut">
               <a:rPr lang="pt-BR" smtClean="0"/>
-              <a:t>05/06/2025</a:t>
+              <a:t>09/06/2025</a:t>
             </a:fld>
             <a:endParaRPr lang="pt-BR"/>
           </a:p>
@@ -461,7 +461,7 @@
           <a:p>
             <a:fld id="{2286C78C-2309-4B31-A6C1-4EE0779ED80E}" type="datetimeFigureOut">
               <a:rPr lang="pt-BR" smtClean="0"/>
-              <a:t>05/06/2025</a:t>
+              <a:t>09/06/2025</a:t>
             </a:fld>
             <a:endParaRPr lang="pt-BR"/>
           </a:p>
@@ -669,7 +669,7 @@
           <a:p>
             <a:fld id="{2286C78C-2309-4B31-A6C1-4EE0779ED80E}" type="datetimeFigureOut">
               <a:rPr lang="pt-BR" smtClean="0"/>
-              <a:t>05/06/2025</a:t>
+              <a:t>09/06/2025</a:t>
             </a:fld>
             <a:endParaRPr lang="pt-BR"/>
           </a:p>
@@ -867,7 +867,7 @@
           <a:p>
             <a:fld id="{2286C78C-2309-4B31-A6C1-4EE0779ED80E}" type="datetimeFigureOut">
               <a:rPr lang="pt-BR" smtClean="0"/>
-              <a:t>05/06/2025</a:t>
+              <a:t>09/06/2025</a:t>
             </a:fld>
             <a:endParaRPr lang="pt-BR"/>
           </a:p>
@@ -1142,7 +1142,7 @@
           <a:p>
             <a:fld id="{2286C78C-2309-4B31-A6C1-4EE0779ED80E}" type="datetimeFigureOut">
               <a:rPr lang="pt-BR" smtClean="0"/>
-              <a:t>05/06/2025</a:t>
+              <a:t>09/06/2025</a:t>
             </a:fld>
             <a:endParaRPr lang="pt-BR"/>
           </a:p>
@@ -1407,7 +1407,7 @@
           <a:p>
             <a:fld id="{2286C78C-2309-4B31-A6C1-4EE0779ED80E}" type="datetimeFigureOut">
               <a:rPr lang="pt-BR" smtClean="0"/>
-              <a:t>05/06/2025</a:t>
+              <a:t>09/06/2025</a:t>
             </a:fld>
             <a:endParaRPr lang="pt-BR"/>
           </a:p>
@@ -1819,7 +1819,7 @@
           <a:p>
             <a:fld id="{2286C78C-2309-4B31-A6C1-4EE0779ED80E}" type="datetimeFigureOut">
               <a:rPr lang="pt-BR" smtClean="0"/>
-              <a:t>05/06/2025</a:t>
+              <a:t>09/06/2025</a:t>
             </a:fld>
             <a:endParaRPr lang="pt-BR"/>
           </a:p>
@@ -1960,7 +1960,7 @@
           <a:p>
             <a:fld id="{2286C78C-2309-4B31-A6C1-4EE0779ED80E}" type="datetimeFigureOut">
               <a:rPr lang="pt-BR" smtClean="0"/>
-              <a:t>05/06/2025</a:t>
+              <a:t>09/06/2025</a:t>
             </a:fld>
             <a:endParaRPr lang="pt-BR"/>
           </a:p>
@@ -2073,7 +2073,7 @@
           <a:p>
             <a:fld id="{2286C78C-2309-4B31-A6C1-4EE0779ED80E}" type="datetimeFigureOut">
               <a:rPr lang="pt-BR" smtClean="0"/>
-              <a:t>05/06/2025</a:t>
+              <a:t>09/06/2025</a:t>
             </a:fld>
             <a:endParaRPr lang="pt-BR"/>
           </a:p>
@@ -2384,7 +2384,7 @@
           <a:p>
             <a:fld id="{2286C78C-2309-4B31-A6C1-4EE0779ED80E}" type="datetimeFigureOut">
               <a:rPr lang="pt-BR" smtClean="0"/>
-              <a:t>05/06/2025</a:t>
+              <a:t>09/06/2025</a:t>
             </a:fld>
             <a:endParaRPr lang="pt-BR"/>
           </a:p>
@@ -2672,7 +2672,7 @@
           <a:p>
             <a:fld id="{2286C78C-2309-4B31-A6C1-4EE0779ED80E}" type="datetimeFigureOut">
               <a:rPr lang="pt-BR" smtClean="0"/>
-              <a:t>05/06/2025</a:t>
+              <a:t>09/06/2025</a:t>
             </a:fld>
             <a:endParaRPr lang="pt-BR"/>
           </a:p>
@@ -2913,7 +2913,7 @@
           <a:p>
             <a:fld id="{2286C78C-2309-4B31-A6C1-4EE0779ED80E}" type="datetimeFigureOut">
               <a:rPr lang="pt-BR" smtClean="0"/>
-              <a:t>05/06/2025</a:t>
+              <a:t>09/06/2025</a:t>
             </a:fld>
             <a:endParaRPr lang="pt-BR"/>
           </a:p>
@@ -3499,14 +3499,6 @@
             </a:r>
             <a:r>
               <a:rPr lang="pt-BR" sz="1600" dirty="0"/>
-              <a:t>, </a:t>
-            </a:r>
-            <a:r>
-              <a:rPr lang="pt-BR" sz="1600" dirty="0" err="1"/>
-              <a:t>EventHub</a:t>
-            </a:r>
-            <a:r>
-              <a:rPr lang="pt-BR" sz="1600" dirty="0"/>
               <a:t>, Azure Databricks e </a:t>
             </a:r>
             <a:r>
@@ -3515,7 +3507,7 @@
             </a:r>
             <a:r>
               <a:rPr lang="pt-BR" sz="1600" dirty="0"/>
-              <a:t> para a criação do processo de ETL de dados com  arquitetura medalhão.</a:t>
+              <a:t> para a criação do pipeline de dados com  arquitetura medalhão.</a:t>
             </a:r>
           </a:p>
           <a:p>
@@ -3762,7 +3754,7 @@
             </a:r>
             <a:r>
               <a:rPr lang="pt-BR" sz="1400" dirty="0"/>
-              <a:t> (Producer) realiza o </a:t>
+              <a:t> realiza o </a:t>
             </a:r>
             <a:r>
               <a:rPr lang="pt-BR" sz="1400" dirty="0" err="1"/>
@@ -3786,11 +3778,19 @@
             </a:r>
             <a:r>
               <a:rPr lang="pt-BR" sz="1400" dirty="0"/>
-              <a:t> e enviar para o </a:t>
+              <a:t> e enviar para o container </a:t>
             </a:r>
             <a:r>
               <a:rPr lang="pt-BR" sz="1400" dirty="0" err="1"/>
-              <a:t>EventHub</a:t>
+              <a:t>inbound</a:t>
+            </a:r>
+            <a:r>
+              <a:rPr lang="pt-BR" sz="1400" dirty="0"/>
+              <a:t> do </a:t>
+            </a:r>
+            <a:r>
+              <a:rPr lang="pt-BR" sz="1400" dirty="0" err="1"/>
+              <a:t>StorageAccount</a:t>
             </a:r>
             <a:endParaRPr lang="pt-BR" sz="1400" dirty="0"/>
           </a:p>
@@ -3801,31 +3801,7 @@
             </a:pPr>
             <a:r>
               <a:rPr lang="pt-BR" sz="1400" dirty="0"/>
-              <a:t>A aplicação no Azure </a:t>
-            </a:r>
-            <a:r>
-              <a:rPr lang="pt-BR" sz="1400" dirty="0" err="1"/>
-              <a:t>Function</a:t>
-            </a:r>
-            <a:r>
-              <a:rPr lang="pt-BR" sz="1400" dirty="0"/>
-              <a:t> (</a:t>
-            </a:r>
-            <a:r>
-              <a:rPr lang="pt-BR" sz="1400" dirty="0" err="1"/>
-              <a:t>Consumer</a:t>
-            </a:r>
-            <a:r>
-              <a:rPr lang="pt-BR" sz="1400" dirty="0"/>
-              <a:t>) consome os dados enviados para o </a:t>
-            </a:r>
-            <a:r>
-              <a:rPr lang="pt-BR" sz="1400" dirty="0" err="1"/>
-              <a:t>EventHub</a:t>
-            </a:r>
-            <a:r>
-              <a:rPr lang="pt-BR" sz="1400" dirty="0"/>
-              <a:t>  e armazena no </a:t>
+              <a:t>No ambiente Databricks, utilizando o Access Conector para criação de volumes entre o </a:t>
             </a:r>
             <a:r>
               <a:rPr lang="pt-BR" sz="1400" dirty="0" err="1"/>
@@ -3833,15 +3809,7 @@
             </a:r>
             <a:r>
               <a:rPr lang="pt-BR" sz="1400" dirty="0"/>
-              <a:t> no diretório </a:t>
-            </a:r>
-            <a:r>
-              <a:rPr lang="pt-BR" sz="1400" dirty="0" err="1"/>
-              <a:t>inbound</a:t>
-            </a:r>
-            <a:r>
-              <a:rPr lang="pt-BR" sz="1400" dirty="0"/>
-              <a:t>.</a:t>
+              <a:t>, é iniciado o processo medalhão onde será carregado todos os files enviados pela aplicação e processados em tabela colunar com Delta e carregados incrementalmente na etapa bronze.</a:t>
             </a:r>
           </a:p>
           <a:p>
@@ -3851,23 +3819,15 @@
             </a:pPr>
             <a:r>
               <a:rPr lang="pt-BR" sz="1400" dirty="0"/>
-              <a:t>No ambiente Databricks, utilizando o Access Conector para criação de volumes entre o </a:t>
+              <a:t>A partir do arquivo delta, se inicia a etapa Silver do processo medalhão onde executamos as definições de </a:t>
             </a:r>
             <a:r>
               <a:rPr lang="pt-BR" sz="1400" dirty="0" err="1"/>
-              <a:t>storageaccount</a:t>
+              <a:t>schema</a:t>
             </a:r>
             <a:r>
               <a:rPr lang="pt-BR" sz="1400" dirty="0"/>
-              <a:t>, é iniciado o processo medalhão onde será carregado todos os files enviados pelo </a:t>
-            </a:r>
-            <a:r>
-              <a:rPr lang="pt-BR" sz="1400" dirty="0" err="1"/>
-              <a:t>eventhub</a:t>
-            </a:r>
-            <a:r>
-              <a:rPr lang="pt-BR" sz="1400" dirty="0"/>
-              <a:t> e processados em tabela colunar com Delta.</a:t>
+              <a:t>, padronização, limpeza de dados e etc...</a:t>
             </a:r>
           </a:p>
           <a:p>
@@ -3877,15 +3837,23 @@
             </a:pPr>
             <a:r>
               <a:rPr lang="pt-BR" sz="1400" dirty="0"/>
-              <a:t>A partir do arquivo delta, se inicia a etapa Silver do processo medalhão onde executamos as definições de </a:t>
+              <a:t>Na camada Gold, é realizado tratativas para regra de negocio com base nos dados da Silver e armazenado em uma Big </a:t>
             </a:r>
             <a:r>
               <a:rPr lang="pt-BR" sz="1400" dirty="0" err="1"/>
-              <a:t>schema</a:t>
+              <a:t>Table</a:t>
             </a:r>
             <a:r>
               <a:rPr lang="pt-BR" sz="1400" dirty="0"/>
-              <a:t>, padronização, limpeza de dados e etc...</a:t>
+              <a:t> que será usada pela equipe de </a:t>
+            </a:r>
+            <a:r>
+              <a:rPr lang="pt-BR" sz="1400" dirty="0" err="1"/>
+              <a:t>Analytics</a:t>
+            </a:r>
+            <a:r>
+              <a:rPr lang="pt-BR" sz="1400" dirty="0"/>
+              <a:t>.</a:t>
             </a:r>
           </a:p>
           <a:p>
@@ -3895,32 +3863,6 @@
             </a:pPr>
             <a:r>
               <a:rPr lang="pt-BR" sz="1400" dirty="0"/>
-              <a:t>Na camada Gold, é realizado tratativas para regra de negocio com base nos dados da Silver e armazenado em uma Big </a:t>
-            </a:r>
-            <a:r>
-              <a:rPr lang="pt-BR" sz="1400" dirty="0" err="1"/>
-              <a:t>Table</a:t>
-            </a:r>
-            <a:r>
-              <a:rPr lang="pt-BR" sz="1400" dirty="0"/>
-              <a:t> que será usada pela equipe de </a:t>
-            </a:r>
-            <a:r>
-              <a:rPr lang="pt-BR" sz="1400" dirty="0" err="1"/>
-              <a:t>Analytics</a:t>
-            </a:r>
-            <a:r>
-              <a:rPr lang="pt-BR" sz="1400" dirty="0"/>
-              <a:t>.</a:t>
-            </a:r>
-          </a:p>
-          <a:p>
-            <a:pPr marL="342900" indent="-342900">
-              <a:buFont typeface="+mj-lt"/>
-              <a:buAutoNum type="arabicPeriod"/>
-            </a:pPr>
-            <a:r>
-              <a:rPr lang="pt-BR" sz="1400" dirty="0"/>
               <a:t>Conexão ao Databricks com a plataforma </a:t>
             </a:r>
             <a:r>
@@ -3936,10 +3878,10 @@
       </p:sp>
       <p:pic>
         <p:nvPicPr>
-          <p:cNvPr id="6" name="Imagem 5">
-            <a:extLst>
-              <a:ext uri="{FF2B5EF4-FFF2-40B4-BE49-F238E27FC236}">
-                <a16:creationId xmlns:a16="http://schemas.microsoft.com/office/drawing/2014/main" id="{CD47CEF0-D10F-4961-8F49-E723449BA896}"/>
+          <p:cNvPr id="5" name="Imagem 4">
+            <a:extLst>
+              <a:ext uri="{FF2B5EF4-FFF2-40B4-BE49-F238E27FC236}">
+                <a16:creationId xmlns:a16="http://schemas.microsoft.com/office/drawing/2014/main" id="{5CD11176-552D-42C6-A88A-B0DC5EF1AEDC}"/>
               </a:ext>
             </a:extLst>
           </p:cNvPr>
@@ -3962,8 +3904,8 @@
         </p:blipFill>
         <p:spPr>
           <a:xfrm>
-            <a:off x="5765984" y="2275367"/>
-            <a:ext cx="6309058" cy="2676238"/>
+            <a:off x="5645887" y="2400034"/>
+            <a:ext cx="6465564" cy="2057932"/>
           </a:xfrm>
           <a:prstGeom prst="rect">
             <a:avLst/>
@@ -4065,31 +4007,7 @@
             </a:r>
             <a:r>
               <a:rPr lang="pt-BR" sz="1600" dirty="0"/>
-              <a:t> e </a:t>
-            </a:r>
-            <a:r>
-              <a:rPr lang="pt-BR" sz="1600" dirty="0" err="1"/>
-              <a:t>Eventhub</a:t>
-            </a:r>
-            <a:r>
-              <a:rPr lang="pt-BR" sz="1600" dirty="0"/>
-              <a:t> foi possível criar aplicações de </a:t>
-            </a:r>
-            <a:r>
-              <a:rPr lang="pt-BR" sz="1600" dirty="0" err="1"/>
-              <a:t>producer</a:t>
-            </a:r>
-            <a:r>
-              <a:rPr lang="pt-BR" sz="1600" dirty="0"/>
-              <a:t> e </a:t>
-            </a:r>
-            <a:r>
-              <a:rPr lang="pt-BR" sz="1600" dirty="0" err="1"/>
-              <a:t>consumer</a:t>
-            </a:r>
-            <a:r>
-              <a:rPr lang="pt-BR" sz="1600" dirty="0"/>
-              <a:t> para enviar dados atualizados em quase tempo real para o </a:t>
+              <a:t> foi possível criar aplicações para enviar dados atualizados em quase tempo real para o </a:t>
             </a:r>
             <a:r>
               <a:rPr lang="pt-BR" sz="1600" dirty="0" err="1"/>
@@ -4097,6 +4015,14 @@
             </a:r>
             <a:r>
               <a:rPr lang="pt-BR" sz="1600" dirty="0"/>
+              <a:t> e o pipeline de dados é ativado assim que um novo arquivo é criado no diretório </a:t>
+            </a:r>
+            <a:r>
+              <a:rPr lang="pt-BR" sz="1600" dirty="0" err="1"/>
+              <a:t>inbound</a:t>
+            </a:r>
+            <a:r>
+              <a:rPr lang="pt-BR" sz="1600" dirty="0"/>
               <a:t>.</a:t>
             </a:r>
           </a:p>
@@ -4234,32 +4160,6 @@
             <a:r>
               <a:rPr lang="pt-BR" sz="1600" dirty="0"/>
               <a:t> focada na conexão e execução de queries para normalização e criação de métricas/indicadores na plataforma </a:t>
-            </a:r>
-            <a:r>
-              <a:rPr lang="pt-BR" sz="1600" dirty="0" err="1"/>
-              <a:t>dbt</a:t>
-            </a:r>
-            <a:r>
-              <a:rPr lang="pt-BR" sz="1600" dirty="0"/>
-              <a:t>.</a:t>
-            </a:r>
-          </a:p>
-          <a:p>
-            <a:r>
-              <a:rPr lang="pt-BR" sz="1600" b="1" dirty="0"/>
-              <a:t>Integração e Monitoramento: </a:t>
-            </a:r>
-            <a:r>
-              <a:rPr lang="pt-BR" sz="1600" dirty="0"/>
-              <a:t>Com workflow do Databricks integrado ao processo de transformação e normalização de dados no </a:t>
-            </a:r>
-            <a:r>
-              <a:rPr lang="pt-BR" sz="1600" dirty="0" err="1"/>
-              <a:t>dbt</a:t>
-            </a:r>
-            <a:r>
-              <a:rPr lang="pt-BR" sz="1600" dirty="0"/>
-              <a:t>, é possível ter uma ampla visão de log do workflow como um todo e movimentações e criações de tabelas com origem no </a:t>
             </a:r>
             <a:r>
               <a:rPr lang="pt-BR" sz="1600" dirty="0" err="1"/>

--- a/config/Projeto Data Master.pptx
+++ b/config/Projeto Data Master.pptx
@@ -263,7 +263,7 @@
           <a:p>
             <a:fld id="{2286C78C-2309-4B31-A6C1-4EE0779ED80E}" type="datetimeFigureOut">
               <a:rPr lang="pt-BR" smtClean="0"/>
-              <a:t>09/06/2025</a:t>
+              <a:t>10/06/2025</a:t>
             </a:fld>
             <a:endParaRPr lang="pt-BR"/>
           </a:p>
@@ -461,7 +461,7 @@
           <a:p>
             <a:fld id="{2286C78C-2309-4B31-A6C1-4EE0779ED80E}" type="datetimeFigureOut">
               <a:rPr lang="pt-BR" smtClean="0"/>
-              <a:t>09/06/2025</a:t>
+              <a:t>10/06/2025</a:t>
             </a:fld>
             <a:endParaRPr lang="pt-BR"/>
           </a:p>
@@ -669,7 +669,7 @@
           <a:p>
             <a:fld id="{2286C78C-2309-4B31-A6C1-4EE0779ED80E}" type="datetimeFigureOut">
               <a:rPr lang="pt-BR" smtClean="0"/>
-              <a:t>09/06/2025</a:t>
+              <a:t>10/06/2025</a:t>
             </a:fld>
             <a:endParaRPr lang="pt-BR"/>
           </a:p>
@@ -867,7 +867,7 @@
           <a:p>
             <a:fld id="{2286C78C-2309-4B31-A6C1-4EE0779ED80E}" type="datetimeFigureOut">
               <a:rPr lang="pt-BR" smtClean="0"/>
-              <a:t>09/06/2025</a:t>
+              <a:t>10/06/2025</a:t>
             </a:fld>
             <a:endParaRPr lang="pt-BR"/>
           </a:p>
@@ -1142,7 +1142,7 @@
           <a:p>
             <a:fld id="{2286C78C-2309-4B31-A6C1-4EE0779ED80E}" type="datetimeFigureOut">
               <a:rPr lang="pt-BR" smtClean="0"/>
-              <a:t>09/06/2025</a:t>
+              <a:t>10/06/2025</a:t>
             </a:fld>
             <a:endParaRPr lang="pt-BR"/>
           </a:p>
@@ -1407,7 +1407,7 @@
           <a:p>
             <a:fld id="{2286C78C-2309-4B31-A6C1-4EE0779ED80E}" type="datetimeFigureOut">
               <a:rPr lang="pt-BR" smtClean="0"/>
-              <a:t>09/06/2025</a:t>
+              <a:t>10/06/2025</a:t>
             </a:fld>
             <a:endParaRPr lang="pt-BR"/>
           </a:p>
@@ -1819,7 +1819,7 @@
           <a:p>
             <a:fld id="{2286C78C-2309-4B31-A6C1-4EE0779ED80E}" type="datetimeFigureOut">
               <a:rPr lang="pt-BR" smtClean="0"/>
-              <a:t>09/06/2025</a:t>
+              <a:t>10/06/2025</a:t>
             </a:fld>
             <a:endParaRPr lang="pt-BR"/>
           </a:p>
@@ -1960,7 +1960,7 @@
           <a:p>
             <a:fld id="{2286C78C-2309-4B31-A6C1-4EE0779ED80E}" type="datetimeFigureOut">
               <a:rPr lang="pt-BR" smtClean="0"/>
-              <a:t>09/06/2025</a:t>
+              <a:t>10/06/2025</a:t>
             </a:fld>
             <a:endParaRPr lang="pt-BR"/>
           </a:p>
@@ -2073,7 +2073,7 @@
           <a:p>
             <a:fld id="{2286C78C-2309-4B31-A6C1-4EE0779ED80E}" type="datetimeFigureOut">
               <a:rPr lang="pt-BR" smtClean="0"/>
-              <a:t>09/06/2025</a:t>
+              <a:t>10/06/2025</a:t>
             </a:fld>
             <a:endParaRPr lang="pt-BR"/>
           </a:p>
@@ -2384,7 +2384,7 @@
           <a:p>
             <a:fld id="{2286C78C-2309-4B31-A6C1-4EE0779ED80E}" type="datetimeFigureOut">
               <a:rPr lang="pt-BR" smtClean="0"/>
-              <a:t>09/06/2025</a:t>
+              <a:t>10/06/2025</a:t>
             </a:fld>
             <a:endParaRPr lang="pt-BR"/>
           </a:p>
@@ -2672,7 +2672,7 @@
           <a:p>
             <a:fld id="{2286C78C-2309-4B31-A6C1-4EE0779ED80E}" type="datetimeFigureOut">
               <a:rPr lang="pt-BR" smtClean="0"/>
-              <a:t>09/06/2025</a:t>
+              <a:t>10/06/2025</a:t>
             </a:fld>
             <a:endParaRPr lang="pt-BR"/>
           </a:p>
@@ -2913,7 +2913,7 @@
           <a:p>
             <a:fld id="{2286C78C-2309-4B31-A6C1-4EE0779ED80E}" type="datetimeFigureOut">
               <a:rPr lang="pt-BR" smtClean="0"/>
-              <a:t>09/06/2025</a:t>
+              <a:t>10/06/2025</a:t>
             </a:fld>
             <a:endParaRPr lang="pt-BR"/>
           </a:p>
@@ -3510,66 +3510,14 @@
               <a:t> para a criação do pipeline de dados com  arquitetura medalhão.</a:t>
             </a:r>
           </a:p>
-          <a:p>
-            <a:r>
-              <a:rPr lang="pt-BR" sz="1600" dirty="0"/>
-              <a:t>Com dados modularizados, foi utilizado a plataforma </a:t>
-            </a:r>
-            <a:r>
-              <a:rPr lang="pt-BR" sz="1600" dirty="0" err="1"/>
-              <a:t>dbt</a:t>
-            </a:r>
-            <a:r>
-              <a:rPr lang="pt-BR" sz="1600" dirty="0"/>
-              <a:t> Cloud para a normalização e  criação de métricas/indicadores de dados</a:t>
-            </a:r>
-          </a:p>
-          <a:p>
-            <a:r>
-              <a:rPr lang="pt-BR" sz="1600" dirty="0"/>
-              <a:t>Mesmo com execuções de atividades e plataformas diferentes, o pipeline de dados entre ambas está integrado e linear ao processo. Isto foi pensado mediante a ideia de separação de funções e plataforma entre equipes de Data </a:t>
-            </a:r>
-            <a:r>
-              <a:rPr lang="pt-BR" sz="1600" dirty="0" err="1"/>
-              <a:t>Engineer</a:t>
-            </a:r>
-            <a:r>
-              <a:rPr lang="pt-BR" sz="1600" dirty="0"/>
-              <a:t> e </a:t>
-            </a:r>
-            <a:r>
-              <a:rPr lang="pt-BR" sz="1600" dirty="0" err="1"/>
-              <a:t>Analytics</a:t>
-            </a:r>
-            <a:r>
-              <a:rPr lang="pt-BR" sz="1600" dirty="0"/>
-              <a:t> </a:t>
-            </a:r>
-            <a:r>
-              <a:rPr lang="pt-BR" sz="1600" dirty="0" err="1"/>
-              <a:t>Engineer</a:t>
-            </a:r>
-            <a:r>
-              <a:rPr lang="pt-BR" sz="1600" dirty="0"/>
-              <a:t> bem como uma forma de conexão em diferente fontes de dados para a equipe de </a:t>
-            </a:r>
-            <a:r>
-              <a:rPr lang="pt-BR" sz="1600" dirty="0" err="1"/>
-              <a:t>Analytics</a:t>
-            </a:r>
-            <a:r>
-              <a:rPr lang="pt-BR" sz="1600" dirty="0"/>
-              <a:t>.</a:t>
-            </a:r>
-          </a:p>
         </p:txBody>
       </p:sp>
       <p:pic>
         <p:nvPicPr>
-          <p:cNvPr id="6" name="Imagem 5">
-            <a:extLst>
-              <a:ext uri="{FF2B5EF4-FFF2-40B4-BE49-F238E27FC236}">
-                <a16:creationId xmlns:a16="http://schemas.microsoft.com/office/drawing/2014/main" id="{254DCE05-6E0D-4AA9-B6C0-1F56ACEF54C2}"/>
+          <p:cNvPr id="5" name="Imagem 4">
+            <a:extLst>
+              <a:ext uri="{FF2B5EF4-FFF2-40B4-BE49-F238E27FC236}">
+                <a16:creationId xmlns:a16="http://schemas.microsoft.com/office/drawing/2014/main" id="{17B5B42F-1F32-46E3-A84D-939A400EB75A}"/>
               </a:ext>
             </a:extLst>
           </p:cNvPr>
@@ -3579,75 +3527,21 @@
           <p:nvPr/>
         </p:nvPicPr>
         <p:blipFill>
-          <a:blip r:embed="rId2"/>
+          <a:blip r:embed="rId2">
+            <a:extLst>
+              <a:ext uri="{28A0092B-C50C-407E-A947-70E740481C1C}">
+                <a14:useLocalDpi xmlns:a14="http://schemas.microsoft.com/office/drawing/2010/main" val="0"/>
+              </a:ext>
+            </a:extLst>
+          </a:blip>
           <a:stretch>
             <a:fillRect/>
           </a:stretch>
         </p:blipFill>
         <p:spPr>
           <a:xfrm>
-            <a:off x="2084202" y="4577316"/>
-            <a:ext cx="3285240" cy="1829754"/>
-          </a:xfrm>
-          <a:prstGeom prst="rect">
-            <a:avLst/>
-          </a:prstGeom>
-        </p:spPr>
-      </p:pic>
-      <p:pic>
-        <p:nvPicPr>
-          <p:cNvPr id="7" name="Imagem 6">
-            <a:extLst>
-              <a:ext uri="{FF2B5EF4-FFF2-40B4-BE49-F238E27FC236}">
-                <a16:creationId xmlns:a16="http://schemas.microsoft.com/office/drawing/2014/main" id="{AF193821-8447-4945-8D9E-58432187E5F4}"/>
-              </a:ext>
-            </a:extLst>
-          </p:cNvPr>
-          <p:cNvPicPr>
-            <a:picLocks noChangeAspect="1"/>
-          </p:cNvPicPr>
-          <p:nvPr/>
-        </p:nvPicPr>
-        <p:blipFill>
-          <a:blip r:embed="rId3"/>
-          <a:stretch>
-            <a:fillRect/>
-          </a:stretch>
-        </p:blipFill>
-        <p:spPr>
-          <a:xfrm>
-            <a:off x="6822560" y="4577694"/>
-            <a:ext cx="2437291" cy="1829376"/>
-          </a:xfrm>
-          <a:prstGeom prst="rect">
-            <a:avLst/>
-          </a:prstGeom>
-        </p:spPr>
-      </p:pic>
-      <p:pic>
-        <p:nvPicPr>
-          <p:cNvPr id="8" name="Imagem 7">
-            <a:extLst>
-              <a:ext uri="{FF2B5EF4-FFF2-40B4-BE49-F238E27FC236}">
-                <a16:creationId xmlns:a16="http://schemas.microsoft.com/office/drawing/2014/main" id="{627F9902-96A0-4ED6-A867-78C967D8A1B5}"/>
-              </a:ext>
-            </a:extLst>
-          </p:cNvPr>
-          <p:cNvPicPr>
-            <a:picLocks noChangeAspect="1"/>
-          </p:cNvPicPr>
-          <p:nvPr/>
-        </p:nvPicPr>
-        <p:blipFill>
-          <a:blip r:embed="rId4"/>
-          <a:stretch>
-            <a:fillRect/>
-          </a:stretch>
-        </p:blipFill>
-        <p:spPr>
-          <a:xfrm>
-            <a:off x="5131982" y="5196302"/>
-            <a:ext cx="1828800" cy="817959"/>
+            <a:off x="1732625" y="3429000"/>
+            <a:ext cx="8726750" cy="2362356"/>
           </a:xfrm>
           <a:prstGeom prst="rect">
             <a:avLst/>
@@ -3863,25 +3757,33 @@
             </a:pPr>
             <a:r>
               <a:rPr lang="pt-BR" sz="1400" dirty="0"/>
-              <a:t>Conexão ao Databricks com a plataforma </a:t>
+              <a:t>Para normalização e criação de métricas a partir da fonte de dados da Gold foi utilizado o </a:t>
             </a:r>
             <a:r>
               <a:rPr lang="pt-BR" sz="1400" dirty="0" err="1"/>
-              <a:t>dbt</a:t>
+              <a:t>SparkSQL</a:t>
             </a:r>
             <a:r>
               <a:rPr lang="pt-BR" sz="1400" dirty="0"/>
-              <a:t> para normalização e criação de métricas a partir da fonte de dados da Gold.</a:t>
+              <a:t> da Databricks para criação de tabelas fato e dimensão e </a:t>
+            </a:r>
+            <a:r>
+              <a:rPr lang="pt-BR" sz="1400" dirty="0" err="1"/>
+              <a:t>Views</a:t>
+            </a:r>
+            <a:r>
+              <a:rPr lang="pt-BR" sz="1400" dirty="0"/>
+              <a:t> para métricas e indicadores.</a:t>
             </a:r>
           </a:p>
         </p:txBody>
       </p:sp>
       <p:pic>
         <p:nvPicPr>
-          <p:cNvPr id="5" name="Imagem 4">
-            <a:extLst>
-              <a:ext uri="{FF2B5EF4-FFF2-40B4-BE49-F238E27FC236}">
-                <a16:creationId xmlns:a16="http://schemas.microsoft.com/office/drawing/2014/main" id="{5CD11176-552D-42C6-A88A-B0DC5EF1AEDC}"/>
+          <p:cNvPr id="6" name="Imagem 5">
+            <a:extLst>
+              <a:ext uri="{FF2B5EF4-FFF2-40B4-BE49-F238E27FC236}">
+                <a16:creationId xmlns:a16="http://schemas.microsoft.com/office/drawing/2014/main" id="{0812FF5F-20A6-494C-BAB7-5256C5ADA094}"/>
               </a:ext>
             </a:extLst>
           </p:cNvPr>
@@ -3904,8 +3806,8 @@
         </p:blipFill>
         <p:spPr>
           <a:xfrm>
-            <a:off x="5645887" y="2400034"/>
-            <a:ext cx="6465564" cy="2057932"/>
+            <a:off x="5645887" y="2434923"/>
+            <a:ext cx="6096000" cy="1988153"/>
           </a:xfrm>
           <a:prstGeom prst="rect">
             <a:avLst/>
@@ -4096,74 +3998,6 @@
             <a:r>
               <a:rPr lang="pt-BR" sz="1600" dirty="0" err="1"/>
               <a:t>storageaccount</a:t>
-            </a:r>
-            <a:r>
-              <a:rPr lang="pt-BR" sz="1600" dirty="0"/>
-              <a:t>.</a:t>
-            </a:r>
-          </a:p>
-          <a:p>
-            <a:r>
-              <a:rPr lang="pt-BR" sz="1600" b="1" dirty="0"/>
-              <a:t>Independência entre Plataformas: </a:t>
-            </a:r>
-            <a:r>
-              <a:rPr lang="pt-BR" sz="1600" dirty="0"/>
-              <a:t>Armazenando dados por </a:t>
-            </a:r>
-            <a:r>
-              <a:rPr lang="pt-BR" sz="1600" dirty="0" err="1"/>
-              <a:t>External</a:t>
-            </a:r>
-            <a:r>
-              <a:rPr lang="pt-BR" sz="1600" dirty="0"/>
-              <a:t> </a:t>
-            </a:r>
-            <a:r>
-              <a:rPr lang="pt-BR" sz="1600" dirty="0" err="1"/>
-              <a:t>Table</a:t>
-            </a:r>
-            <a:r>
-              <a:rPr lang="pt-BR" sz="1600" dirty="0"/>
-              <a:t> facilita a migração dos dados Bronze, Silver e Gold para outra plataforma cloud e evita eventuais complicações de perda de dados na plataforma da Databricks.</a:t>
-            </a:r>
-          </a:p>
-          <a:p>
-            <a:r>
-              <a:rPr lang="pt-BR" sz="1600" b="1" dirty="0"/>
-              <a:t>Foco e Agilidade em Processos: </a:t>
-            </a:r>
-            <a:r>
-              <a:rPr lang="pt-BR" sz="1600" dirty="0"/>
-              <a:t>Equipe de Data </a:t>
-            </a:r>
-            <a:r>
-              <a:rPr lang="pt-BR" sz="1600" dirty="0" err="1"/>
-              <a:t>Enginner</a:t>
-            </a:r>
-            <a:r>
-              <a:rPr lang="pt-BR" sz="1600" dirty="0"/>
-              <a:t> focada em apenas na criação e  manutenção do pipeline ETL de dados na plataforma Databricks e Equipe </a:t>
-            </a:r>
-            <a:r>
-              <a:rPr lang="pt-BR" sz="1600" dirty="0" err="1"/>
-              <a:t>Analytics</a:t>
-            </a:r>
-            <a:r>
-              <a:rPr lang="pt-BR" sz="1600" dirty="0"/>
-              <a:t> </a:t>
-            </a:r>
-            <a:r>
-              <a:rPr lang="pt-BR" sz="1600" dirty="0" err="1"/>
-              <a:t>Enginner</a:t>
-            </a:r>
-            <a:r>
-              <a:rPr lang="pt-BR" sz="1600" dirty="0"/>
-              <a:t> focada na conexão e execução de queries para normalização e criação de métricas/indicadores na plataforma </a:t>
-            </a:r>
-            <a:r>
-              <a:rPr lang="pt-BR" sz="1600" dirty="0" err="1"/>
-              <a:t>dbt</a:t>
             </a:r>
             <a:r>
               <a:rPr lang="pt-BR" sz="1600" dirty="0"/>
